--- a/assets/tactile_image_files/0010-silicate_mineral_structures/0010-silicate_mineral_structures.pptx
+++ b/assets/tactile_image_files/0010-silicate_mineral_structures/0010-silicate_mineral_structures.pptx
@@ -114,6 +114,16 @@
 </p:presentation>
 </file>
 
+<file path=ppt/revisionInfo.xml><?xml version="1.0" encoding="utf-8"?>
+<p1510:revInfo xmlns:a="http://schemas.openxmlformats.org/drawingml/2006/main" xmlns:r="http://schemas.openxmlformats.org/officeDocument/2006/relationships" xmlns:p1510="http://schemas.microsoft.com/office/powerpoint/2015/10/main">
+  <p1510:revLst>
+    <p1510:client id="{75E47333-6D02-4A27-F269-433B458E6E3F}" v="23" dt="2021-02-11T20:15:33.517"/>
+    <p1510:client id="{C86A7784-4206-9AC2-02CA-261028395FB3}" v="4" dt="2021-02-15T19:42:20.954"/>
+    <p1510:client id="{E412E5D1-0B99-C118-F473-621A1170AE73}" v="11" dt="2021-02-24T21:28:44.247"/>
+  </p1510:revLst>
+</p1510:revInfo>
+</file>
+
 <file path=ppt/slideLayouts/slideLayout1.xml><?xml version="1.0" encoding="utf-8"?>
 <p:sldLayout xmlns:a="http://schemas.openxmlformats.org/drawingml/2006/main" xmlns:r="http://schemas.openxmlformats.org/officeDocument/2006/relationships" xmlns:p="http://schemas.openxmlformats.org/presentationml/2006/main" preserve="1" userDrawn="1">
   <p:cSld name="Title Slide">
@@ -180,7 +190,6 @@
               <a:rPr lang="en-US"/>
               <a:t>Click to edit Master title style</a:t>
             </a:r>
-            <a:endParaRPr lang="en-US" dirty="0"/>
           </a:p>
         </p:txBody>
       </p:sp>
@@ -232,7 +241,6 @@
               <a:rPr lang="en-US"/>
               <a:t>Fifth level</a:t>
             </a:r>
-            <a:endParaRPr lang="en-US" dirty="0"/>
           </a:p>
         </p:txBody>
       </p:sp>
@@ -253,7 +261,7 @@
           <a:p>
             <a:fld id="{E796F801-3BB8-A247-923B-F07F1B58D38A}" type="datetimeFigureOut">
               <a:rPr lang="en-US" smtClean="0"/>
-              <a:t>7/23/20</a:t>
+              <a:t>7/13/21</a:t>
             </a:fld>
             <a:endParaRPr lang="en-US"/>
           </a:p>
@@ -355,7 +363,6 @@
               <a:rPr lang="en-US"/>
               <a:t>Click to edit Master title style</a:t>
             </a:r>
-            <a:endParaRPr lang="en-US" dirty="0"/>
           </a:p>
         </p:txBody>
       </p:sp>
@@ -412,7 +419,6 @@
               <a:rPr lang="en-US"/>
               <a:t>Fifth level</a:t>
             </a:r>
-            <a:endParaRPr lang="en-US" dirty="0"/>
           </a:p>
         </p:txBody>
       </p:sp>
@@ -433,7 +439,7 @@
           <a:p>
             <a:fld id="{E796F801-3BB8-A247-923B-F07F1B58D38A}" type="datetimeFigureOut">
               <a:rPr lang="en-US" smtClean="0"/>
-              <a:t>7/23/20</a:t>
+              <a:t>7/13/21</a:t>
             </a:fld>
             <a:endParaRPr lang="en-US"/>
           </a:p>
@@ -530,7 +536,6 @@
               <a:rPr lang="en-US"/>
               <a:t>Click to edit Master title style</a:t>
             </a:r>
-            <a:endParaRPr lang="en-US" dirty="0"/>
           </a:p>
         </p:txBody>
       </p:sp>
@@ -582,7 +587,6 @@
               <a:rPr lang="en-US"/>
               <a:t>Fifth level</a:t>
             </a:r>
-            <a:endParaRPr lang="en-US" dirty="0"/>
           </a:p>
         </p:txBody>
       </p:sp>
@@ -603,7 +607,7 @@
           <a:p>
             <a:fld id="{E796F801-3BB8-A247-923B-F07F1B58D38A}" type="datetimeFigureOut">
               <a:rPr lang="en-US" smtClean="0"/>
-              <a:t>7/23/20</a:t>
+              <a:t>7/13/21</a:t>
             </a:fld>
             <a:endParaRPr lang="en-US"/>
           </a:p>
@@ -709,7 +713,6 @@
               <a:rPr lang="en-US"/>
               <a:t>Click to edit Master title style</a:t>
             </a:r>
-            <a:endParaRPr lang="en-US" dirty="0"/>
           </a:p>
         </p:txBody>
       </p:sp>
@@ -847,7 +850,7 @@
           <a:p>
             <a:fld id="{E796F801-3BB8-A247-923B-F07F1B58D38A}" type="datetimeFigureOut">
               <a:rPr lang="en-US" smtClean="0"/>
-              <a:t>7/23/20</a:t>
+              <a:t>7/13/21</a:t>
             </a:fld>
             <a:endParaRPr lang="en-US"/>
           </a:p>
@@ -944,7 +947,6 @@
               <a:rPr lang="en-US"/>
               <a:t>Click to edit Master title style</a:t>
             </a:r>
-            <a:endParaRPr lang="en-US" dirty="0"/>
           </a:p>
         </p:txBody>
       </p:sp>
@@ -1001,7 +1003,6 @@
               <a:rPr lang="en-US"/>
               <a:t>Fifth level</a:t>
             </a:r>
-            <a:endParaRPr lang="en-US" dirty="0"/>
           </a:p>
         </p:txBody>
       </p:sp>
@@ -1058,7 +1059,6 @@
               <a:rPr lang="en-US"/>
               <a:t>Fifth level</a:t>
             </a:r>
-            <a:endParaRPr lang="en-US" dirty="0"/>
           </a:p>
         </p:txBody>
       </p:sp>
@@ -1079,7 +1079,7 @@
           <a:p>
             <a:fld id="{E796F801-3BB8-A247-923B-F07F1B58D38A}" type="datetimeFigureOut">
               <a:rPr lang="en-US" smtClean="0"/>
-              <a:t>7/23/20</a:t>
+              <a:t>7/13/21</a:t>
             </a:fld>
             <a:endParaRPr lang="en-US"/>
           </a:p>
@@ -1181,7 +1181,6 @@
               <a:rPr lang="en-US"/>
               <a:t>Click to edit Master title style</a:t>
             </a:r>
-            <a:endParaRPr lang="en-US" dirty="0"/>
           </a:p>
         </p:txBody>
       </p:sp>
@@ -1303,7 +1302,6 @@
               <a:rPr lang="en-US"/>
               <a:t>Fifth level</a:t>
             </a:r>
-            <a:endParaRPr lang="en-US" dirty="0"/>
           </a:p>
         </p:txBody>
       </p:sp>
@@ -1425,7 +1423,6 @@
               <a:rPr lang="en-US"/>
               <a:t>Fifth level</a:t>
             </a:r>
-            <a:endParaRPr lang="en-US" dirty="0"/>
           </a:p>
         </p:txBody>
       </p:sp>
@@ -1446,7 +1443,7 @@
           <a:p>
             <a:fld id="{E796F801-3BB8-A247-923B-F07F1B58D38A}" type="datetimeFigureOut">
               <a:rPr lang="en-US" smtClean="0"/>
-              <a:t>7/23/20</a:t>
+              <a:t>7/13/21</a:t>
             </a:fld>
             <a:endParaRPr lang="en-US"/>
           </a:p>
@@ -1543,7 +1540,6 @@
               <a:rPr lang="en-US"/>
               <a:t>Click to edit Master title style</a:t>
             </a:r>
-            <a:endParaRPr lang="en-US" dirty="0"/>
           </a:p>
         </p:txBody>
       </p:sp>
@@ -1564,7 +1560,7 @@
           <a:p>
             <a:fld id="{E796F801-3BB8-A247-923B-F07F1B58D38A}" type="datetimeFigureOut">
               <a:rPr lang="en-US" smtClean="0"/>
-              <a:t>7/23/20</a:t>
+              <a:t>7/13/21</a:t>
             </a:fld>
             <a:endParaRPr lang="en-US"/>
           </a:p>
@@ -1659,7 +1655,7 @@
           <a:p>
             <a:fld id="{E796F801-3BB8-A247-923B-F07F1B58D38A}" type="datetimeFigureOut">
               <a:rPr lang="en-US" smtClean="0"/>
-              <a:t>7/23/20</a:t>
+              <a:t>7/13/21</a:t>
             </a:fld>
             <a:endParaRPr lang="en-US"/>
           </a:p>
@@ -1765,7 +1761,6 @@
               <a:rPr lang="en-US"/>
               <a:t>Click to edit Master title style</a:t>
             </a:r>
-            <a:endParaRPr lang="en-US" dirty="0"/>
           </a:p>
         </p:txBody>
       </p:sp>
@@ -1850,7 +1845,6 @@
               <a:rPr lang="en-US"/>
               <a:t>Fifth level</a:t>
             </a:r>
-            <a:endParaRPr lang="en-US" dirty="0"/>
           </a:p>
         </p:txBody>
       </p:sp>
@@ -1936,7 +1930,7 @@
           <a:p>
             <a:fld id="{E796F801-3BB8-A247-923B-F07F1B58D38A}" type="datetimeFigureOut">
               <a:rPr lang="en-US" smtClean="0"/>
-              <a:t>7/23/20</a:t>
+              <a:t>7/13/21</a:t>
             </a:fld>
             <a:endParaRPr lang="en-US"/>
           </a:p>
@@ -2042,7 +2036,6 @@
               <a:rPr lang="en-US"/>
               <a:t>Click to edit Master title style</a:t>
             </a:r>
-            <a:endParaRPr lang="en-US" dirty="0"/>
           </a:p>
         </p:txBody>
       </p:sp>
@@ -2107,7 +2100,6 @@
               <a:rPr lang="en-US"/>
               <a:t>Drag picture to placeholder or click icon to add</a:t>
             </a:r>
-            <a:endParaRPr lang="en-US" dirty="0"/>
           </a:p>
         </p:txBody>
       </p:sp>
@@ -2193,7 +2185,7 @@
           <a:p>
             <a:fld id="{E796F801-3BB8-A247-923B-F07F1B58D38A}" type="datetimeFigureOut">
               <a:rPr lang="en-US" smtClean="0"/>
-              <a:t>7/23/20</a:t>
+              <a:t>7/13/21</a:t>
             </a:fld>
             <a:endParaRPr lang="en-US"/>
           </a:p>
@@ -2305,7 +2297,6 @@
               <a:rPr lang="en-US"/>
               <a:t>Click to edit Master title style</a:t>
             </a:r>
-            <a:endParaRPr lang="en-US" dirty="0"/>
           </a:p>
         </p:txBody>
       </p:sp>
@@ -2367,7 +2358,6 @@
               <a:rPr lang="en-US"/>
               <a:t>Fifth level</a:t>
             </a:r>
-            <a:endParaRPr lang="en-US" dirty="0"/>
           </a:p>
         </p:txBody>
       </p:sp>
@@ -2406,7 +2396,7 @@
           <a:p>
             <a:fld id="{E796F801-3BB8-A247-923B-F07F1B58D38A}" type="datetimeFigureOut">
               <a:rPr lang="en-US" smtClean="0"/>
-              <a:t>7/23/20</a:t>
+              <a:t>7/13/21</a:t>
             </a:fld>
             <a:endParaRPr lang="en-US"/>
           </a:p>
@@ -6487,24 +6477,27 @@
         <p:spPr>
           <a:xfrm>
             <a:off x="1462326" y="235321"/>
-            <a:ext cx="5977919" cy="461665"/>
+            <a:ext cx="6284093" cy="461665"/>
           </a:xfrm>
           <a:prstGeom prst="rect">
             <a:avLst/>
           </a:prstGeom>
         </p:spPr>
         <p:txBody>
-          <a:bodyPr wrap="none">
+          <a:bodyPr wrap="none" lIns="91440" tIns="45720" rIns="91440" bIns="45720" anchor="t">
             <a:spAutoFit/>
           </a:bodyPr>
           <a:lstStyle/>
           <a:p>
             <a:r>
-              <a:rPr lang="en-US" sz="2400">
-                <a:latin typeface="Swell Braille" pitchFamily="49"/>
+              <a:rPr lang="en-US" sz="2400" dirty="0">
+                <a:latin typeface="Swell Braille"/>
               </a:rPr>
-              <a:t>⠠⠎⠊⠇⠊⠉⠁⠞⠑⠀⠠⠍⠔⠻⠁⠇⠀⠠⠌⠗⠥⠉⠥⠗⠑⠎</a:t>
+              <a:t>⠠⠎⠊⠇⠊⠉⠁⠞⠑⠀⠠⠍⠔⠻⠁⠇⠀⠠⠌⠗⠥⠉t⠥⠗⠑⠎</a:t>
             </a:r>
+            <a:endParaRPr lang="en-US" sz="2400" dirty="0">
+              <a:latin typeface="Swell Braille" pitchFamily="49"/>
+            </a:endParaRPr>
           </a:p>
         </p:txBody>
       </p:sp>
@@ -9726,7 +9719,7 @@
         <p:spPr>
           <a:xfrm>
             <a:off x="818706" y="3024961"/>
-            <a:ext cx="2296633" cy="830997"/>
+            <a:ext cx="2286335" cy="830997"/>
           </a:xfrm>
           <a:prstGeom prst="rect">
             <a:avLst/>
@@ -9734,17 +9727,27 @@
           <a:noFill/>
         </p:spPr>
         <p:txBody>
-          <a:bodyPr wrap="square" rtlCol="0">
+          <a:bodyPr wrap="square" lIns="91440" tIns="45720" rIns="91440" bIns="45720" rtlCol="0" anchor="t">
             <a:spAutoFit/>
           </a:bodyPr>
           <a:lstStyle/>
           <a:p>
             <a:r>
-              <a:rPr lang="en-US" sz="2400">
-                <a:latin typeface="Swell Braille" pitchFamily="49"/>
+              <a:rPr lang="en-US" sz="2400" dirty="0">
+                <a:latin typeface="Swell Braille"/>
               </a:rPr>
-              <a:t>⠊⠎⠕⠇⠁⠞⠫⠀⠞⠑⠞⠗⠁⠓⠫⠗⠁</a:t>
+              <a:t>⠊⠎⠕⠇⠁⠞⠫⠀</a:t>
             </a:r>
+            <a:endParaRPr lang="en-US" dirty="0"/>
+          </a:p>
+          <a:p>
+            <a:r>
+              <a:rPr lang="en-US" sz="2400" dirty="0">
+                <a:latin typeface="Swell Braille"/>
+              </a:rPr>
+              <a:t>⠞⠑⠞⠗⠁⠓⠫⠗⠁</a:t>
+            </a:r>
+            <a:endParaRPr lang="en-US" dirty="0"/>
           </a:p>
         </p:txBody>
       </p:sp>

--- a/assets/tactile_image_files/0010-silicate_mineral_structures/0010-silicate_mineral_structures.pptx
+++ b/assets/tactile_image_files/0010-silicate_mineral_structures/0010-silicate_mineral_structures.pptx
@@ -261,7 +261,7 @@
           <a:p>
             <a:fld id="{E796F801-3BB8-A247-923B-F07F1B58D38A}" type="datetimeFigureOut">
               <a:rPr lang="en-US" smtClean="0"/>
-              <a:t>7/13/21</a:t>
+              <a:t>7/19/21</a:t>
             </a:fld>
             <a:endParaRPr lang="en-US"/>
           </a:p>
@@ -439,7 +439,7 @@
           <a:p>
             <a:fld id="{E796F801-3BB8-A247-923B-F07F1B58D38A}" type="datetimeFigureOut">
               <a:rPr lang="en-US" smtClean="0"/>
-              <a:t>7/13/21</a:t>
+              <a:t>7/19/21</a:t>
             </a:fld>
             <a:endParaRPr lang="en-US"/>
           </a:p>
@@ -607,7 +607,7 @@
           <a:p>
             <a:fld id="{E796F801-3BB8-A247-923B-F07F1B58D38A}" type="datetimeFigureOut">
               <a:rPr lang="en-US" smtClean="0"/>
-              <a:t>7/13/21</a:t>
+              <a:t>7/19/21</a:t>
             </a:fld>
             <a:endParaRPr lang="en-US"/>
           </a:p>
@@ -850,7 +850,7 @@
           <a:p>
             <a:fld id="{E796F801-3BB8-A247-923B-F07F1B58D38A}" type="datetimeFigureOut">
               <a:rPr lang="en-US" smtClean="0"/>
-              <a:t>7/13/21</a:t>
+              <a:t>7/19/21</a:t>
             </a:fld>
             <a:endParaRPr lang="en-US"/>
           </a:p>
@@ -1079,7 +1079,7 @@
           <a:p>
             <a:fld id="{E796F801-3BB8-A247-923B-F07F1B58D38A}" type="datetimeFigureOut">
               <a:rPr lang="en-US" smtClean="0"/>
-              <a:t>7/13/21</a:t>
+              <a:t>7/19/21</a:t>
             </a:fld>
             <a:endParaRPr lang="en-US"/>
           </a:p>
@@ -1443,7 +1443,7 @@
           <a:p>
             <a:fld id="{E796F801-3BB8-A247-923B-F07F1B58D38A}" type="datetimeFigureOut">
               <a:rPr lang="en-US" smtClean="0"/>
-              <a:t>7/13/21</a:t>
+              <a:t>7/19/21</a:t>
             </a:fld>
             <a:endParaRPr lang="en-US"/>
           </a:p>
@@ -1560,7 +1560,7 @@
           <a:p>
             <a:fld id="{E796F801-3BB8-A247-923B-F07F1B58D38A}" type="datetimeFigureOut">
               <a:rPr lang="en-US" smtClean="0"/>
-              <a:t>7/13/21</a:t>
+              <a:t>7/19/21</a:t>
             </a:fld>
             <a:endParaRPr lang="en-US"/>
           </a:p>
@@ -1655,7 +1655,7 @@
           <a:p>
             <a:fld id="{E796F801-3BB8-A247-923B-F07F1B58D38A}" type="datetimeFigureOut">
               <a:rPr lang="en-US" smtClean="0"/>
-              <a:t>7/13/21</a:t>
+              <a:t>7/19/21</a:t>
             </a:fld>
             <a:endParaRPr lang="en-US"/>
           </a:p>
@@ -1930,7 +1930,7 @@
           <a:p>
             <a:fld id="{E796F801-3BB8-A247-923B-F07F1B58D38A}" type="datetimeFigureOut">
               <a:rPr lang="en-US" smtClean="0"/>
-              <a:t>7/13/21</a:t>
+              <a:t>7/19/21</a:t>
             </a:fld>
             <a:endParaRPr lang="en-US"/>
           </a:p>
@@ -2185,7 +2185,7 @@
           <a:p>
             <a:fld id="{E796F801-3BB8-A247-923B-F07F1B58D38A}" type="datetimeFigureOut">
               <a:rPr lang="en-US" smtClean="0"/>
-              <a:t>7/13/21</a:t>
+              <a:t>7/19/21</a:t>
             </a:fld>
             <a:endParaRPr lang="en-US"/>
           </a:p>
@@ -2396,7 +2396,7 @@
           <a:p>
             <a:fld id="{E796F801-3BB8-A247-923B-F07F1B58D38A}" type="datetimeFigureOut">
               <a:rPr lang="en-US" smtClean="0"/>
-              <a:t>7/13/21</a:t>
+              <a:t>7/19/21</a:t>
             </a:fld>
             <a:endParaRPr lang="en-US"/>
           </a:p>
